--- a/auca/Sem-3/Software Engineering/Lecture/Lecture 2_Software Process and Software Process Models_.pptx
+++ b/auca/Sem-3/Software Engineering/Lecture/Lecture 2_Software Process and Software Process Models_.pptx
@@ -250,7 +250,7 @@
           <a:p>
             <a:fld id="{D6D19A96-3D4C-446E-A047-0976CF92EEAE}" type="datetimeFigureOut">
               <a:rPr lang="en-US" smtClean="0"/>
-              <a:t>9/26/2025</a:t>
+              <a:t>10/1/2025</a:t>
             </a:fld>
             <a:endParaRPr lang="en-US"/>
           </a:p>
@@ -664,7 +664,7 @@
           <a:p>
             <a:fld id="{1D8BD707-D9CF-40AE-B4C6-C98DA3205C09}" type="datetimeFigureOut">
               <a:rPr lang="en-US" smtClean="0"/>
-              <a:t>9/26/2025</a:t>
+              <a:t>10/1/2025</a:t>
             </a:fld>
             <a:endParaRPr lang="en-US"/>
           </a:p>
@@ -862,7 +862,7 @@
           <a:p>
             <a:fld id="{1D8BD707-D9CF-40AE-B4C6-C98DA3205C09}" type="datetimeFigureOut">
               <a:rPr lang="en-US" smtClean="0"/>
-              <a:t>9/26/2025</a:t>
+              <a:t>10/1/2025</a:t>
             </a:fld>
             <a:endParaRPr lang="en-US"/>
           </a:p>
@@ -1070,7 +1070,7 @@
           <a:p>
             <a:fld id="{1D8BD707-D9CF-40AE-B4C6-C98DA3205C09}" type="datetimeFigureOut">
               <a:rPr lang="en-US" smtClean="0"/>
-              <a:t>9/26/2025</a:t>
+              <a:t>10/1/2025</a:t>
             </a:fld>
             <a:endParaRPr lang="en-US"/>
           </a:p>
@@ -1336,7 +1336,7 @@
           <a:p>
             <a:fld id="{1D8BD707-D9CF-40AE-B4C6-C98DA3205C09}" type="datetimeFigureOut">
               <a:rPr lang="en-US"/>
-              <a:t>9/26/2025</a:t>
+              <a:t>10/1/2025</a:t>
             </a:fld>
             <a:endParaRPr lang="en-US"/>
           </a:p>
@@ -1574,7 +1574,7 @@
           <a:p>
             <a:fld id="{4B4534E0-D0B8-4B3A-9724-30E0B5D84BB1}" type="datetime1">
               <a:rPr lang="en-US" smtClean="0"/>
-              <a:t>9/26/2025</a:t>
+              <a:t>10/1/2025</a:t>
             </a:fld>
             <a:endParaRPr lang="en-US"/>
           </a:p>
@@ -1744,7 +1744,7 @@
           <a:p>
             <a:fld id="{1D8BD707-D9CF-40AE-B4C6-C98DA3205C09}" type="datetimeFigureOut">
               <a:rPr lang="en-US" smtClean="0"/>
-              <a:t>9/26/2025</a:t>
+              <a:t>10/1/2025</a:t>
             </a:fld>
             <a:endParaRPr lang="en-US"/>
           </a:p>
@@ -2007,7 +2007,7 @@
           <a:p>
             <a:fld id="{1D8BD707-D9CF-40AE-B4C6-C98DA3205C09}" type="datetimeFigureOut">
               <a:rPr lang="en-US" smtClean="0"/>
-              <a:t>9/26/2025</a:t>
+              <a:t>10/1/2025</a:t>
             </a:fld>
             <a:endParaRPr lang="en-US"/>
           </a:p>
@@ -2272,7 +2272,7 @@
           <a:p>
             <a:fld id="{1D8BD707-D9CF-40AE-B4C6-C98DA3205C09}" type="datetimeFigureOut">
               <a:rPr lang="en-US" smtClean="0"/>
-              <a:t>9/26/2025</a:t>
+              <a:t>10/1/2025</a:t>
             </a:fld>
             <a:endParaRPr lang="en-US"/>
           </a:p>
@@ -2684,7 +2684,7 @@
           <a:p>
             <a:fld id="{1D8BD707-D9CF-40AE-B4C6-C98DA3205C09}" type="datetimeFigureOut">
               <a:rPr lang="en-US" smtClean="0"/>
-              <a:t>9/26/2025</a:t>
+              <a:t>10/1/2025</a:t>
             </a:fld>
             <a:endParaRPr lang="en-US"/>
           </a:p>
@@ -2825,7 +2825,7 @@
           <a:p>
             <a:fld id="{1D8BD707-D9CF-40AE-B4C6-C98DA3205C09}" type="datetimeFigureOut">
               <a:rPr lang="en-US" smtClean="0"/>
-              <a:t>9/26/2025</a:t>
+              <a:t>10/1/2025</a:t>
             </a:fld>
             <a:endParaRPr lang="en-US"/>
           </a:p>
@@ -2938,7 +2938,7 @@
           <a:p>
             <a:fld id="{1D8BD707-D9CF-40AE-B4C6-C98DA3205C09}" type="datetimeFigureOut">
               <a:rPr lang="en-US" smtClean="0"/>
-              <a:t>9/26/2025</a:t>
+              <a:t>10/1/2025</a:t>
             </a:fld>
             <a:endParaRPr lang="en-US"/>
           </a:p>
@@ -3249,7 +3249,7 @@
           <a:p>
             <a:fld id="{1D8BD707-D9CF-40AE-B4C6-C98DA3205C09}" type="datetimeFigureOut">
               <a:rPr lang="en-US" smtClean="0"/>
-              <a:t>9/26/2025</a:t>
+              <a:t>10/1/2025</a:t>
             </a:fld>
             <a:endParaRPr lang="en-US"/>
           </a:p>
@@ -3537,7 +3537,7 @@
           <a:p>
             <a:fld id="{1D8BD707-D9CF-40AE-B4C6-C98DA3205C09}" type="datetimeFigureOut">
               <a:rPr lang="en-US" smtClean="0"/>
-              <a:t>9/26/2025</a:t>
+              <a:t>10/1/2025</a:t>
             </a:fld>
             <a:endParaRPr lang="en-US"/>
           </a:p>
@@ -3787,7 +3787,7 @@
           <a:p>
             <a:fld id="{1D8BD707-D9CF-40AE-B4C6-C98DA3205C09}" type="datetimeFigureOut">
               <a:rPr lang="en-US" smtClean="0"/>
-              <a:t>9/26/2025</a:t>
+              <a:t>10/1/2025</a:t>
             </a:fld>
             <a:endParaRPr lang="en-US"/>
           </a:p>
@@ -4240,6 +4240,13 @@
                 <a:solidFill>
                   <a:schemeClr val="bg1"/>
                 </a:solidFill>
+                <a:effectLst>
+                  <a:outerShdw blurRad="38100" dist="38100" dir="2700000" algn="tl">
+                    <a:srgbClr val="000000">
+                      <a:alpha val="43137"/>
+                    </a:srgbClr>
+                  </a:outerShdw>
+                </a:effectLst>
                 <a:latin typeface="Trebuchet MS"/>
                 <a:cs typeface="Trebuchet MS"/>
               </a:rPr>
@@ -4250,6 +4257,13 @@
                 <a:solidFill>
                   <a:schemeClr val="bg1"/>
                 </a:solidFill>
+                <a:effectLst>
+                  <a:outerShdw blurRad="38100" dist="38100" dir="2700000" algn="tl">
+                    <a:srgbClr val="000000">
+                      <a:alpha val="43137"/>
+                    </a:srgbClr>
+                  </a:outerShdw>
+                </a:effectLst>
                 <a:latin typeface="Trebuchet MS"/>
                 <a:cs typeface="Trebuchet MS"/>
               </a:rPr>
@@ -4260,6 +4274,13 @@
                 <a:solidFill>
                   <a:schemeClr val="bg1"/>
                 </a:solidFill>
+                <a:effectLst>
+                  <a:outerShdw blurRad="38100" dist="38100" dir="2700000" algn="tl">
+                    <a:srgbClr val="000000">
+                      <a:alpha val="43137"/>
+                    </a:srgbClr>
+                  </a:outerShdw>
+                </a:effectLst>
                 <a:latin typeface="Trebuchet MS"/>
                 <a:cs typeface="Trebuchet MS"/>
               </a:rPr>
@@ -4270,6 +4291,13 @@
                 <a:solidFill>
                   <a:schemeClr val="bg1"/>
                 </a:solidFill>
+                <a:effectLst>
+                  <a:outerShdw blurRad="38100" dist="38100" dir="2700000" algn="tl">
+                    <a:srgbClr val="000000">
+                      <a:alpha val="43137"/>
+                    </a:srgbClr>
+                  </a:outerShdw>
+                </a:effectLst>
                 <a:latin typeface="Trebuchet MS"/>
                 <a:cs typeface="Trebuchet MS"/>
               </a:rPr>
@@ -4280,6 +4308,13 @@
                 <a:solidFill>
                   <a:schemeClr val="bg1"/>
                 </a:solidFill>
+                <a:effectLst>
+                  <a:outerShdw blurRad="38100" dist="38100" dir="2700000" algn="tl">
+                    <a:srgbClr val="000000">
+                      <a:alpha val="43137"/>
+                    </a:srgbClr>
+                  </a:outerShdw>
+                </a:effectLst>
                 <a:latin typeface="Trebuchet MS"/>
                 <a:cs typeface="Trebuchet MS"/>
               </a:rPr>
@@ -4290,6 +4325,13 @@
                 <a:solidFill>
                   <a:schemeClr val="bg1"/>
                 </a:solidFill>
+                <a:effectLst>
+                  <a:outerShdw blurRad="38100" dist="38100" dir="2700000" algn="tl">
+                    <a:srgbClr val="000000">
+                      <a:alpha val="43137"/>
+                    </a:srgbClr>
+                  </a:outerShdw>
+                </a:effectLst>
                 <a:latin typeface="Trebuchet MS"/>
                 <a:cs typeface="Trebuchet MS"/>
               </a:rPr>
@@ -4300,6 +4342,13 @@
                 <a:solidFill>
                   <a:schemeClr val="bg1"/>
                 </a:solidFill>
+                <a:effectLst>
+                  <a:outerShdw blurRad="38100" dist="38100" dir="2700000" algn="tl">
+                    <a:srgbClr val="000000">
+                      <a:alpha val="43137"/>
+                    </a:srgbClr>
+                  </a:outerShdw>
+                </a:effectLst>
                 <a:latin typeface="Trebuchet MS"/>
                 <a:cs typeface="Trebuchet MS"/>
               </a:rPr>
@@ -4310,6 +4359,13 @@
                 <a:solidFill>
                   <a:schemeClr val="bg1"/>
                 </a:solidFill>
+                <a:effectLst>
+                  <a:outerShdw blurRad="38100" dist="38100" dir="2700000" algn="tl">
+                    <a:srgbClr val="000000">
+                      <a:alpha val="43137"/>
+                    </a:srgbClr>
+                  </a:outerShdw>
+                </a:effectLst>
                 <a:latin typeface="Trebuchet MS"/>
                 <a:cs typeface="Trebuchet MS"/>
               </a:rPr>
@@ -4319,6 +4375,13 @@
               <a:solidFill>
                 <a:schemeClr val="bg1"/>
               </a:solidFill>
+              <a:effectLst>
+                <a:outerShdw blurRad="38100" dist="38100" dir="2700000" algn="tl">
+                  <a:srgbClr val="000000">
+                    <a:alpha val="43137"/>
+                  </a:srgbClr>
+                </a:outerShdw>
+              </a:effectLst>
               <a:latin typeface="Trebuchet MS"/>
               <a:cs typeface="Trebuchet MS"/>
             </a:endParaRPr>
